--- a/lectures/02_its/its.pptx
+++ b/lectures/02_its/its.pptx
@@ -299,7 +299,7 @@
             <a:fld id="{61C17900-95FA-4124-853C-9BC71B59CBE5}" type="datetime1">
               <a:rPr lang="en-GB"/>
               <a:pPr lvl="0"/>
-              <a:t>17/06/2025</a:t>
+              <a:t>20/06/2025</a:t>
             </a:fld>
             <a:endParaRPr lang="en-GB"/>
           </a:p>
@@ -1017,7 +1017,7 @@
             <a:fld id="{4A25D1A3-0A93-4C94-80FF-26B8FD61124B}" type="datetime1">
               <a:rPr lang="en-GB"/>
               <a:pPr lvl="0"/>
-              <a:t>17/06/2025</a:t>
+              <a:t>20/06/2025</a:t>
             </a:fld>
             <a:endParaRPr lang="en-GB"/>
           </a:p>
@@ -1254,7 +1254,7 @@
             <a:fld id="{81142B93-5A2B-450B-8B37-47C337A7F461}" type="datetime1">
               <a:rPr lang="en-GB"/>
               <a:pPr lvl="0"/>
-              <a:t>17/06/2025</a:t>
+              <a:t>20/06/2025</a:t>
             </a:fld>
             <a:endParaRPr lang="en-GB"/>
           </a:p>
@@ -1500,7 +1500,7 @@
             <a:fld id="{6E063067-B603-41EE-A9A7-41899DD775E6}" type="datetime1">
               <a:rPr lang="en-GB"/>
               <a:pPr lvl="0"/>
-              <a:t>17/06/2025</a:t>
+              <a:t>20/06/2025</a:t>
             </a:fld>
             <a:endParaRPr lang="en-GB"/>
           </a:p>
@@ -1736,7 +1736,7 @@
             <a:fld id="{6F249873-F8C6-4397-84F9-F8EC0F22A697}" type="datetime1">
               <a:rPr lang="en-GB"/>
               <a:pPr lvl="0"/>
-              <a:t>17/06/2025</a:t>
+              <a:t>20/06/2025</a:t>
             </a:fld>
             <a:endParaRPr lang="en-GB"/>
           </a:p>
@@ -1947,7 +1947,7 @@
             <a:fld id="{C12BD4ED-6206-4BF6-96F8-E25353DC0FB4}" type="datetime1">
               <a:rPr lang="en-GB"/>
               <a:pPr lvl="0"/>
-              <a:t>17/06/2025</a:t>
+              <a:t>20/06/2025</a:t>
             </a:fld>
             <a:endParaRPr lang="en-GB"/>
           </a:p>
@@ -2267,7 +2267,7 @@
             <a:fld id="{39B86B4E-481C-4780-B006-4B46E923812F}" type="datetime1">
               <a:rPr lang="en-GB"/>
               <a:pPr lvl="0"/>
-              <a:t>17/06/2025</a:t>
+              <a:t>20/06/2025</a:t>
             </a:fld>
             <a:endParaRPr lang="en-GB"/>
           </a:p>
@@ -2670,7 +2670,7 @@
             <a:fld id="{4D4B0C8B-6A6B-4F9A-AD92-C7A874294C43}" type="datetime1">
               <a:rPr lang="en-GB"/>
               <a:pPr lvl="0"/>
-              <a:t>17/06/2025</a:t>
+              <a:t>20/06/2025</a:t>
             </a:fld>
             <a:endParaRPr lang="en-GB"/>
           </a:p>
@@ -2832,7 +2832,7 @@
             <a:fld id="{2242089C-BC90-4A09-BBF2-11ACCFCC6AAC}" type="datetime1">
               <a:rPr lang="en-GB"/>
               <a:pPr lvl="0"/>
-              <a:t>17/06/2025</a:t>
+              <a:t>20/06/2025</a:t>
             </a:fld>
             <a:endParaRPr lang="en-GB"/>
           </a:p>
@@ -2960,7 +2960,7 @@
             <a:fld id="{9E45A0C3-C9A4-409A-ABC1-542A7544900D}" type="datetime1">
               <a:rPr lang="en-GB"/>
               <a:pPr lvl="0"/>
-              <a:t>17/06/2025</a:t>
+              <a:t>20/06/2025</a:t>
             </a:fld>
             <a:endParaRPr lang="en-GB"/>
           </a:p>
@@ -3245,7 +3245,7 @@
             <a:fld id="{FE905373-3B96-430D-80BE-EEB6F3514509}" type="datetime1">
               <a:rPr lang="en-GB"/>
               <a:pPr lvl="0"/>
-              <a:t>17/06/2025</a:t>
+              <a:t>20/06/2025</a:t>
             </a:fld>
             <a:endParaRPr lang="en-GB"/>
           </a:p>
@@ -3487,7 +3487,7 @@
             <a:fld id="{FD713A6C-3BFD-4C18-89E6-78D595B19DB8}" type="datetime1">
               <a:rPr lang="en-GB"/>
               <a:pPr lvl="0"/>
-              <a:t>17/06/2025</a:t>
+              <a:t>20/06/2025</a:t>
             </a:fld>
             <a:endParaRPr lang="en-GB"/>
           </a:p>
@@ -3770,7 +3770,7 @@
             <a:fld id="{19E4415A-9E33-406F-911E-8770DEE3AE96}" type="datetime1">
               <a:rPr lang="en-GB"/>
               <a:pPr lvl="0"/>
-              <a:t>17/06/2025</a:t>
+              <a:t>20/06/2025</a:t>
             </a:fld>
             <a:endParaRPr lang="en-GB"/>
           </a:p>
@@ -4546,8 +4546,8 @@
           </a:p>
         </p:txBody>
       </p:sp>
-      <mc:AlternateContent xmlns:mc="http://schemas.openxmlformats.org/markup-compatibility/2006">
-        <mc:Choice xmlns:a14="http://schemas.microsoft.com/office/drawing/2010/main" Requires="a14">
+      <mc:AlternateContent xmlns:mc="http://schemas.openxmlformats.org/markup-compatibility/2006" xmlns:a14="http://schemas.microsoft.com/office/drawing/2010/main">
+        <mc:Choice Requires="a14">
           <p:sp>
             <p:nvSpPr>
               <p:cNvPr id="8" name="TextBox 7">
@@ -4751,7 +4751,7 @@
             </p:txBody>
           </p:sp>
         </mc:Choice>
-        <mc:Fallback>
+        <mc:Fallback xmlns="">
           <p:sp>
             <p:nvSpPr>
               <p:cNvPr id="8" name="TextBox 7">
@@ -5278,8 +5278,8 @@
           </a:p>
         </p:txBody>
       </p:sp>
-      <mc:AlternateContent xmlns:mc="http://schemas.openxmlformats.org/markup-compatibility/2006">
-        <mc:Choice xmlns:a14="http://schemas.microsoft.com/office/drawing/2010/main" Requires="a14">
+      <mc:AlternateContent xmlns:mc="http://schemas.openxmlformats.org/markup-compatibility/2006" xmlns:a14="http://schemas.microsoft.com/office/drawing/2010/main">
+        <mc:Choice Requires="a14">
           <p:sp>
             <p:nvSpPr>
               <p:cNvPr id="4" name="TextBox 3">
@@ -5574,7 +5574,7 @@
             </p:txBody>
           </p:sp>
         </mc:Choice>
-        <mc:Fallback>
+        <mc:Fallback xmlns="">
           <p:sp>
             <p:nvSpPr>
               <p:cNvPr id="4" name="TextBox 3">
@@ -10498,15 +10498,20 @@
           <p:nvPr/>
         </p:nvPicPr>
         <p:blipFill>
-          <a:blip r:embed="rId2"/>
-          <a:stretch>
-            <a:fillRect/>
-          </a:stretch>
+          <a:blip r:embed="rId2">
+            <a:extLst>
+              <a:ext uri="{28A0092B-C50C-407E-A947-70E740481C1C}">
+                <a14:useLocalDpi xmlns:a14="http://schemas.microsoft.com/office/drawing/2010/main" val="0"/>
+              </a:ext>
+            </a:extLst>
+          </a:blip>
+          <a:srcRect/>
+          <a:stretch/>
         </p:blipFill>
         <p:spPr>
           <a:xfrm>
-            <a:off x="945898" y="3209340"/>
-            <a:ext cx="9151551" cy="3354422"/>
+            <a:off x="1026330" y="2412170"/>
+            <a:ext cx="7949967" cy="4137121"/>
           </a:xfrm>
           <a:prstGeom prst="rect">
             <a:avLst/>
@@ -10570,15 +10575,20 @@
           <p:nvPr/>
         </p:nvPicPr>
         <p:blipFill>
-          <a:blip r:embed="rId3"/>
-          <a:stretch>
-            <a:fillRect/>
-          </a:stretch>
+          <a:blip r:embed="rId3">
+            <a:extLst>
+              <a:ext uri="{28A0092B-C50C-407E-A947-70E740481C1C}">
+                <a14:useLocalDpi xmlns:a14="http://schemas.microsoft.com/office/drawing/2010/main" val="0"/>
+              </a:ext>
+            </a:extLst>
+          </a:blip>
+          <a:srcRect/>
+          <a:stretch/>
         </p:blipFill>
         <p:spPr>
           <a:xfrm>
-            <a:off x="1018688" y="1690688"/>
-            <a:ext cx="9040007" cy="632634"/>
+            <a:off x="1026331" y="1690688"/>
+            <a:ext cx="9024721" cy="632634"/>
           </a:xfrm>
           <a:prstGeom prst="rect">
             <a:avLst/>
@@ -10599,8 +10609,8 @@
         </p:nvSpPr>
         <p:spPr>
           <a:xfrm>
-            <a:off x="945898" y="4626316"/>
-            <a:ext cx="9151551" cy="289712"/>
+            <a:off x="1026330" y="4106985"/>
+            <a:ext cx="6353670" cy="1099404"/>
           </a:xfrm>
           <a:prstGeom prst="rect">
             <a:avLst/>
@@ -11109,7 +11119,7 @@
                   </a:schemeClr>
                 </a:solidFill>
               </a:rPr>
-              <a:t>You directly </a:t>
+              <a:t>Directly </a:t>
             </a:r>
             <a:r>
               <a:rPr lang="en-GB" b="1" dirty="0">
@@ -11135,8 +11145,9 @@
             </a:r>
           </a:p>
           <a:p>
-            <a:pPr marL="0" indent="0">
-              <a:buNone/>
+            <a:pPr>
+              <a:buFont typeface="Arial" panose="020B0604020202020204" pitchFamily="34" charset="0"/>
+              <a:buChar char="•"/>
             </a:pPr>
             <a:r>
               <a:rPr lang="en-GB" dirty="0">
@@ -11147,7 +11158,7 @@
                   </a:schemeClr>
                 </a:solidFill>
               </a:rPr>
-              <a:t>- Instead of making forecasts/predictions of the counterfactual directly</a:t>
+              <a:t>Instead of making forecasts/predictions of the counterfactual directly</a:t>
             </a:r>
           </a:p>
           <a:p>
@@ -11180,6 +11191,11 @@
             </a:r>
           </a:p>
           <a:p>
+            <a:pPr>
+              <a:lnSpc>
+                <a:spcPct val="120000"/>
+              </a:lnSpc>
+            </a:pPr>
             <a:r>
               <a:rPr lang="en-GB" dirty="0">
                 <a:solidFill>
@@ -11244,7 +11260,51 @@
                   </a:schemeClr>
                 </a:solidFill>
               </a:rPr>
-              <a:t>Strongly rely on correct model specification and model interpretability;  specify “where” or “how” the intervention has an effect</a:t>
+              <a:t>Strongly rely on correct model specification and interpretability; specify </a:t>
+            </a:r>
+            <a:r>
+              <a:rPr lang="en-GB" i="1" dirty="0">
+                <a:solidFill>
+                  <a:schemeClr val="tx1">
+                    <a:lumMod val="75000"/>
+                    <a:lumOff val="25000"/>
+                  </a:schemeClr>
+                </a:solidFill>
+              </a:rPr>
+              <a:t>where</a:t>
+            </a:r>
+            <a:r>
+              <a:rPr lang="en-GB" dirty="0">
+                <a:solidFill>
+                  <a:schemeClr val="tx1">
+                    <a:lumMod val="75000"/>
+                    <a:lumOff val="25000"/>
+                  </a:schemeClr>
+                </a:solidFill>
+              </a:rPr>
+              <a:t> or </a:t>
+            </a:r>
+            <a:r>
+              <a:rPr lang="en-GB" i="1" dirty="0">
+                <a:solidFill>
+                  <a:schemeClr val="tx1">
+                    <a:lumMod val="75000"/>
+                    <a:lumOff val="25000"/>
+                  </a:schemeClr>
+                </a:solidFill>
+              </a:rPr>
+              <a:t>how</a:t>
+            </a:r>
+            <a:r>
+              <a:rPr lang="en-GB" dirty="0">
+                <a:solidFill>
+                  <a:schemeClr val="tx1">
+                    <a:lumMod val="75000"/>
+                    <a:lumOff val="25000"/>
+                  </a:schemeClr>
+                </a:solidFill>
+              </a:rPr>
+              <a:t> the intervention has an effect</a:t>
             </a:r>
           </a:p>
         </p:txBody>
